--- a/homework_2/Gerry_Glue_PySpark.pptx
+++ b/homework_2/Gerry_Glue_PySpark.pptx
@@ -13897,23 +13897,7 @@
                       <a:schemeClr val="tx1"/>
                     </a:solidFill>
                   </a:rPr>
-                  <a:t>Includere lo </a:t>
-                </a:r>
-                <a:r>
-                  <a:rPr lang="it-IT" u="sng" dirty="0">
-                    <a:solidFill>
-                      <a:schemeClr val="tx1"/>
-                    </a:solidFill>
-                  </a:rPr>
-                  <a:t>scraper</a:t>
-                </a:r>
-                <a:r>
-                  <a:rPr lang="it-IT" dirty="0">
-                    <a:solidFill>
-                      <a:schemeClr val="tx1"/>
-                    </a:solidFill>
-                  </a:rPr>
-                  <a:t> all’interno di AWS, per automatizzare il processo di scraping e integrare Amazon Elastic Transcoder per generare la trascrizione di quei talk che non ne hanno una</a:t>
+                  <a:t>Includere lo scraper all’interno di AWS, per automatizzare il processo di scraping e integrare Amazon Elastic Transcoder per generare la trascrizione di quei talk che non ne hanno una</a:t>
                 </a:r>
                 <a:endParaRPr lang="it-IT" kern="1200" dirty="0">
                   <a:solidFill>
